--- a/Progetto educazione civica.pptx
+++ b/Progetto educazione civica.pptx
@@ -176,7 +176,7 @@
           <a:noFill/>
           <a:extLst>
             <a:ext uri="{909E8E84-426E-40dd-AFC4-6F175D3DCCD1}">
-              <a14:hiddenFill xmlns="" xmlns:a14="http://schemas.microsoft.com/office/drawing/2010/main">
+              <a14:hiddenFill xmlns:a14="http://schemas.microsoft.com/office/drawing/2010/main" xmlns="">
                 <a:solidFill>
                   <a:srgbClr val="FFFFFF"/>
                 </a:solidFill>
@@ -235,7 +235,7 @@
             </a:ln>
             <a:extLst>
               <a:ext uri="{91240B29-F687-4f45-9708-019B960494DF}">
-                <a14:hiddenLine xmlns="" xmlns:a14="http://schemas.microsoft.com/office/drawing/2010/main" w="9525">
+                <a14:hiddenLine xmlns:a14="http://schemas.microsoft.com/office/drawing/2010/main" xmlns="" w="9525">
                   <a:solidFill>
                     <a:srgbClr val="000000"/>
                   </a:solidFill>
@@ -325,7 +325,7 @@
             </a:ln>
             <a:extLst>
               <a:ext uri="{91240B29-F687-4f45-9708-019B960494DF}">
-                <a14:hiddenLine xmlns="" xmlns:a14="http://schemas.microsoft.com/office/drawing/2010/main" w="9525">
+                <a14:hiddenLine xmlns:a14="http://schemas.microsoft.com/office/drawing/2010/main" xmlns="" w="9525">
                   <a:solidFill>
                     <a:srgbClr val="000000"/>
                   </a:solidFill>
@@ -415,7 +415,7 @@
             </a:ln>
             <a:extLst>
               <a:ext uri="{91240B29-F687-4f45-9708-019B960494DF}">
-                <a14:hiddenLine xmlns="" xmlns:a14="http://schemas.microsoft.com/office/drawing/2010/main" w="9525">
+                <a14:hiddenLine xmlns:a14="http://schemas.microsoft.com/office/drawing/2010/main" xmlns="" w="9525">
                   <a:solidFill>
                     <a:srgbClr val="000000"/>
                   </a:solidFill>
@@ -449,7 +449,7 @@
             </a:ln>
             <a:extLst>
               <a:ext uri="{91240B29-F687-4f45-9708-019B960494DF}">
-                <a14:hiddenLine xmlns="" xmlns:a14="http://schemas.microsoft.com/office/drawing/2010/main" w="9525">
+                <a14:hiddenLine xmlns:a14="http://schemas.microsoft.com/office/drawing/2010/main" xmlns="" w="9525">
                   <a:solidFill>
                     <a:srgbClr val="000000"/>
                   </a:solidFill>
@@ -539,7 +539,7 @@
             </a:ln>
             <a:extLst>
               <a:ext uri="{91240B29-F687-4f45-9708-019B960494DF}">
-                <a14:hiddenLine xmlns="" xmlns:a14="http://schemas.microsoft.com/office/drawing/2010/main" w="9525">
+                <a14:hiddenLine xmlns:a14="http://schemas.microsoft.com/office/drawing/2010/main" xmlns="" w="9525">
                   <a:solidFill>
                     <a:srgbClr val="000000"/>
                   </a:solidFill>
@@ -601,7 +601,7 @@
             </a:ln>
             <a:extLst>
               <a:ext uri="{91240B29-F687-4f45-9708-019B960494DF}">
-                <a14:hiddenLine xmlns="" xmlns:a14="http://schemas.microsoft.com/office/drawing/2010/main" w="9525">
+                <a14:hiddenLine xmlns:a14="http://schemas.microsoft.com/office/drawing/2010/main" xmlns="" w="9525">
                   <a:solidFill>
                     <a:srgbClr val="000000"/>
                   </a:solidFill>
@@ -663,7 +663,7 @@
             </a:ln>
             <a:extLst>
               <a:ext uri="{91240B29-F687-4f45-9708-019B960494DF}">
-                <a14:hiddenLine xmlns="" xmlns:a14="http://schemas.microsoft.com/office/drawing/2010/main" w="9525">
+                <a14:hiddenLine xmlns:a14="http://schemas.microsoft.com/office/drawing/2010/main" xmlns="" w="9525">
                   <a:solidFill>
                     <a:srgbClr val="000000"/>
                   </a:solidFill>
@@ -753,7 +753,7 @@
             </a:ln>
             <a:extLst>
               <a:ext uri="{91240B29-F687-4f45-9708-019B960494DF}">
-                <a14:hiddenLine xmlns="" xmlns:a14="http://schemas.microsoft.com/office/drawing/2010/main" w="9525">
+                <a14:hiddenLine xmlns:a14="http://schemas.microsoft.com/office/drawing/2010/main" xmlns="" w="9525">
                   <a:solidFill>
                     <a:srgbClr val="000000"/>
                   </a:solidFill>
@@ -815,7 +815,7 @@
             </a:ln>
             <a:extLst>
               <a:ext uri="{91240B29-F687-4f45-9708-019B960494DF}">
-                <a14:hiddenLine xmlns="" xmlns:a14="http://schemas.microsoft.com/office/drawing/2010/main" w="9525">
+                <a14:hiddenLine xmlns:a14="http://schemas.microsoft.com/office/drawing/2010/main" xmlns="" w="9525">
                   <a:solidFill>
                     <a:srgbClr val="000000"/>
                   </a:solidFill>
@@ -877,7 +877,7 @@
             </a:ln>
             <a:extLst>
               <a:ext uri="{91240B29-F687-4f45-9708-019B960494DF}">
-                <a14:hiddenLine xmlns="" xmlns:a14="http://schemas.microsoft.com/office/drawing/2010/main" w="9525">
+                <a14:hiddenLine xmlns:a14="http://schemas.microsoft.com/office/drawing/2010/main" xmlns="" w="9525">
                   <a:solidFill>
                     <a:srgbClr val="000000"/>
                   </a:solidFill>
@@ -967,7 +967,7 @@
             </a:ln>
             <a:extLst>
               <a:ext uri="{91240B29-F687-4f45-9708-019B960494DF}">
-                <a14:hiddenLine xmlns="" xmlns:a14="http://schemas.microsoft.com/office/drawing/2010/main" w="9525">
+                <a14:hiddenLine xmlns:a14="http://schemas.microsoft.com/office/drawing/2010/main" xmlns="" w="9525">
                   <a:solidFill>
                     <a:srgbClr val="000000"/>
                   </a:solidFill>
@@ -1057,7 +1057,7 @@
             </a:ln>
             <a:extLst>
               <a:ext uri="{91240B29-F687-4f45-9708-019B960494DF}">
-                <a14:hiddenLine xmlns="" xmlns:a14="http://schemas.microsoft.com/office/drawing/2010/main" w="9525">
+                <a14:hiddenLine xmlns:a14="http://schemas.microsoft.com/office/drawing/2010/main" xmlns="" w="9525">
                   <a:solidFill>
                     <a:srgbClr val="000000"/>
                   </a:solidFill>
@@ -1119,7 +1119,7 @@
             </a:ln>
             <a:extLst>
               <a:ext uri="{91240B29-F687-4f45-9708-019B960494DF}">
-                <a14:hiddenLine xmlns="" xmlns:a14="http://schemas.microsoft.com/office/drawing/2010/main" w="9525">
+                <a14:hiddenLine xmlns:a14="http://schemas.microsoft.com/office/drawing/2010/main" xmlns="" w="9525">
                   <a:solidFill>
                     <a:srgbClr val="000000"/>
                   </a:solidFill>
@@ -1229,7 +1229,7 @@
             </a:ln>
             <a:extLst>
               <a:ext uri="{91240B29-F687-4f45-9708-019B960494DF}">
-                <a14:hiddenLine xmlns="" xmlns:a14="http://schemas.microsoft.com/office/drawing/2010/main" w="9525">
+                <a14:hiddenLine xmlns:a14="http://schemas.microsoft.com/office/drawing/2010/main" xmlns="" w="9525">
                   <a:solidFill>
                     <a:srgbClr val="000000"/>
                   </a:solidFill>
@@ -1291,7 +1291,7 @@
             </a:ln>
             <a:extLst>
               <a:ext uri="{91240B29-F687-4f45-9708-019B960494DF}">
-                <a14:hiddenLine xmlns="" xmlns:a14="http://schemas.microsoft.com/office/drawing/2010/main" w="9525">
+                <a14:hiddenLine xmlns:a14="http://schemas.microsoft.com/office/drawing/2010/main" xmlns="" w="9525">
                   <a:solidFill>
                     <a:srgbClr val="000000"/>
                   </a:solidFill>
@@ -1381,7 +1381,7 @@
             </a:ln>
             <a:extLst>
               <a:ext uri="{91240B29-F687-4f45-9708-019B960494DF}">
-                <a14:hiddenLine xmlns="" xmlns:a14="http://schemas.microsoft.com/office/drawing/2010/main" w="9525">
+                <a14:hiddenLine xmlns:a14="http://schemas.microsoft.com/office/drawing/2010/main" xmlns="" w="9525">
                   <a:solidFill>
                     <a:srgbClr val="000000"/>
                   </a:solidFill>
@@ -1471,7 +1471,7 @@
             </a:ln>
             <a:extLst>
               <a:ext uri="{91240B29-F687-4f45-9708-019B960494DF}">
-                <a14:hiddenLine xmlns="" xmlns:a14="http://schemas.microsoft.com/office/drawing/2010/main" w="9525">
+                <a14:hiddenLine xmlns:a14="http://schemas.microsoft.com/office/drawing/2010/main" xmlns="" w="9525">
                   <a:solidFill>
                     <a:srgbClr val="000000"/>
                   </a:solidFill>
@@ -1533,7 +1533,7 @@
             </a:ln>
             <a:extLst>
               <a:ext uri="{91240B29-F687-4f45-9708-019B960494DF}">
-                <a14:hiddenLine xmlns="" xmlns:a14="http://schemas.microsoft.com/office/drawing/2010/main" w="9525">
+                <a14:hiddenLine xmlns:a14="http://schemas.microsoft.com/office/drawing/2010/main" xmlns="" w="9525">
                   <a:solidFill>
                     <a:srgbClr val="000000"/>
                   </a:solidFill>
@@ -1623,7 +1623,7 @@
             </a:ln>
             <a:extLst>
               <a:ext uri="{91240B29-F687-4f45-9708-019B960494DF}">
-                <a14:hiddenLine xmlns="" xmlns:a14="http://schemas.microsoft.com/office/drawing/2010/main" w="9525">
+                <a14:hiddenLine xmlns:a14="http://schemas.microsoft.com/office/drawing/2010/main" xmlns="" w="9525">
                   <a:solidFill>
                     <a:srgbClr val="000000"/>
                   </a:solidFill>
@@ -1713,7 +1713,7 @@
             </a:ln>
             <a:extLst>
               <a:ext uri="{91240B29-F687-4f45-9708-019B960494DF}">
-                <a14:hiddenLine xmlns="" xmlns:a14="http://schemas.microsoft.com/office/drawing/2010/main" w="9525">
+                <a14:hiddenLine xmlns:a14="http://schemas.microsoft.com/office/drawing/2010/main" xmlns="" w="9525">
                   <a:solidFill>
                     <a:srgbClr val="000000"/>
                   </a:solidFill>
@@ -1769,7 +1769,7 @@
             </a:ln>
             <a:extLst>
               <a:ext uri="{91240B29-F687-4f45-9708-019B960494DF}">
-                <a14:hiddenLine xmlns="" xmlns:a14="http://schemas.microsoft.com/office/drawing/2010/main" w="9525">
+                <a14:hiddenLine xmlns:a14="http://schemas.microsoft.com/office/drawing/2010/main" xmlns="" w="9525">
                   <a:solidFill>
                     <a:srgbClr val="000000"/>
                   </a:solidFill>
@@ -1859,7 +1859,7 @@
             </a:ln>
             <a:extLst>
               <a:ext uri="{91240B29-F687-4f45-9708-019B960494DF}">
-                <a14:hiddenLine xmlns="" xmlns:a14="http://schemas.microsoft.com/office/drawing/2010/main" w="9525">
+                <a14:hiddenLine xmlns:a14="http://schemas.microsoft.com/office/drawing/2010/main" xmlns="" w="9525">
                   <a:solidFill>
                     <a:srgbClr val="000000"/>
                   </a:solidFill>
@@ -1915,7 +1915,7 @@
             </a:ln>
             <a:extLst>
               <a:ext uri="{91240B29-F687-4f45-9708-019B960494DF}">
-                <a14:hiddenLine xmlns="" xmlns:a14="http://schemas.microsoft.com/office/drawing/2010/main" w="9525">
+                <a14:hiddenLine xmlns:a14="http://schemas.microsoft.com/office/drawing/2010/main" xmlns="" w="9525">
                   <a:solidFill>
                     <a:srgbClr val="000000"/>
                   </a:solidFill>
@@ -2005,7 +2005,7 @@
             </a:ln>
             <a:extLst>
               <a:ext uri="{91240B29-F687-4f45-9708-019B960494DF}">
-                <a14:hiddenLine xmlns="" xmlns:a14="http://schemas.microsoft.com/office/drawing/2010/main" w="9525">
+                <a14:hiddenLine xmlns:a14="http://schemas.microsoft.com/office/drawing/2010/main" xmlns="" w="9525">
                   <a:solidFill>
                     <a:srgbClr val="000000"/>
                   </a:solidFill>
@@ -2073,7 +2073,7 @@
             </a:ln>
             <a:extLst>
               <a:ext uri="{91240B29-F687-4f45-9708-019B960494DF}">
-                <a14:hiddenLine xmlns="" xmlns:a14="http://schemas.microsoft.com/office/drawing/2010/main" w="9525">
+                <a14:hiddenLine xmlns:a14="http://schemas.microsoft.com/office/drawing/2010/main" xmlns="" w="9525">
                   <a:solidFill>
                     <a:srgbClr val="000000"/>
                   </a:solidFill>
@@ -2163,7 +2163,7 @@
             </a:ln>
             <a:extLst>
               <a:ext uri="{91240B29-F687-4f45-9708-019B960494DF}">
-                <a14:hiddenLine xmlns="" xmlns:a14="http://schemas.microsoft.com/office/drawing/2010/main" w="9525">
+                <a14:hiddenLine xmlns:a14="http://schemas.microsoft.com/office/drawing/2010/main" xmlns="" w="9525">
                   <a:solidFill>
                     <a:srgbClr val="000000"/>
                   </a:solidFill>
@@ -2231,7 +2231,7 @@
             </a:ln>
             <a:extLst>
               <a:ext uri="{91240B29-F687-4f45-9708-019B960494DF}">
-                <a14:hiddenLine xmlns="" xmlns:a14="http://schemas.microsoft.com/office/drawing/2010/main" w="9525">
+                <a14:hiddenLine xmlns:a14="http://schemas.microsoft.com/office/drawing/2010/main" xmlns="" w="9525">
                   <a:solidFill>
                     <a:srgbClr val="000000"/>
                   </a:solidFill>
@@ -2321,7 +2321,7 @@
             </a:ln>
             <a:extLst>
               <a:ext uri="{91240B29-F687-4f45-9708-019B960494DF}">
-                <a14:hiddenLine xmlns="" xmlns:a14="http://schemas.microsoft.com/office/drawing/2010/main" w="9525">
+                <a14:hiddenLine xmlns:a14="http://schemas.microsoft.com/office/drawing/2010/main" xmlns="" w="9525">
                   <a:solidFill>
                     <a:srgbClr val="000000"/>
                   </a:solidFill>
@@ -2355,7 +2355,7 @@
             </a:ln>
             <a:extLst>
               <a:ext uri="{91240B29-F687-4f45-9708-019B960494DF}">
-                <a14:hiddenLine xmlns="" xmlns:a14="http://schemas.microsoft.com/office/drawing/2010/main" w="9525">
+                <a14:hiddenLine xmlns:a14="http://schemas.microsoft.com/office/drawing/2010/main" xmlns="" w="9525">
                   <a:solidFill>
                     <a:srgbClr val="000000"/>
                   </a:solidFill>
@@ -2445,7 +2445,7 @@
             </a:ln>
             <a:extLst>
               <a:ext uri="{91240B29-F687-4f45-9708-019B960494DF}">
-                <a14:hiddenLine xmlns="" xmlns:a14="http://schemas.microsoft.com/office/drawing/2010/main" w="9525">
+                <a14:hiddenLine xmlns:a14="http://schemas.microsoft.com/office/drawing/2010/main" xmlns="" w="9525">
                   <a:solidFill>
                     <a:srgbClr val="000000"/>
                   </a:solidFill>
@@ -2507,7 +2507,7 @@
             </a:ln>
             <a:extLst>
               <a:ext uri="{91240B29-F687-4f45-9708-019B960494DF}">
-                <a14:hiddenLine xmlns="" xmlns:a14="http://schemas.microsoft.com/office/drawing/2010/main" w="9525">
+                <a14:hiddenLine xmlns:a14="http://schemas.microsoft.com/office/drawing/2010/main" xmlns="" w="9525">
                   <a:solidFill>
                     <a:srgbClr val="000000"/>
                   </a:solidFill>
@@ -2569,7 +2569,7 @@
             </a:ln>
             <a:extLst>
               <a:ext uri="{91240B29-F687-4f45-9708-019B960494DF}">
-                <a14:hiddenLine xmlns="" xmlns:a14="http://schemas.microsoft.com/office/drawing/2010/main" w="9525">
+                <a14:hiddenLine xmlns:a14="http://schemas.microsoft.com/office/drawing/2010/main" xmlns="" w="9525">
                   <a:solidFill>
                     <a:srgbClr val="000000"/>
                   </a:solidFill>
@@ -2659,7 +2659,7 @@
             </a:ln>
             <a:extLst>
               <a:ext uri="{91240B29-F687-4f45-9708-019B960494DF}">
-                <a14:hiddenLine xmlns="" xmlns:a14="http://schemas.microsoft.com/office/drawing/2010/main" w="9525">
+                <a14:hiddenLine xmlns:a14="http://schemas.microsoft.com/office/drawing/2010/main" xmlns="" w="9525">
                   <a:solidFill>
                     <a:srgbClr val="000000"/>
                   </a:solidFill>
@@ -2727,7 +2727,7 @@
             </a:ln>
             <a:extLst>
               <a:ext uri="{91240B29-F687-4f45-9708-019B960494DF}">
-                <a14:hiddenLine xmlns="" xmlns:a14="http://schemas.microsoft.com/office/drawing/2010/main" w="9525">
+                <a14:hiddenLine xmlns:a14="http://schemas.microsoft.com/office/drawing/2010/main" xmlns="" w="9525">
                   <a:solidFill>
                     <a:srgbClr val="000000"/>
                   </a:solidFill>
@@ -2789,7 +2789,7 @@
             </a:ln>
             <a:extLst>
               <a:ext uri="{91240B29-F687-4f45-9708-019B960494DF}">
-                <a14:hiddenLine xmlns="" xmlns:a14="http://schemas.microsoft.com/office/drawing/2010/main" w="9525">
+                <a14:hiddenLine xmlns:a14="http://schemas.microsoft.com/office/drawing/2010/main" xmlns="" w="9525">
                   <a:solidFill>
                     <a:srgbClr val="000000"/>
                   </a:solidFill>
@@ -2879,7 +2879,7 @@
             </a:ln>
             <a:extLst>
               <a:ext uri="{91240B29-F687-4f45-9708-019B960494DF}">
-                <a14:hiddenLine xmlns="" xmlns:a14="http://schemas.microsoft.com/office/drawing/2010/main" w="9525">
+                <a14:hiddenLine xmlns:a14="http://schemas.microsoft.com/office/drawing/2010/main" xmlns="" w="9525">
                   <a:solidFill>
                     <a:srgbClr val="000000"/>
                   </a:solidFill>
@@ -2941,7 +2941,7 @@
             </a:ln>
             <a:extLst>
               <a:ext uri="{91240B29-F687-4f45-9708-019B960494DF}">
-                <a14:hiddenLine xmlns="" xmlns:a14="http://schemas.microsoft.com/office/drawing/2010/main" w="9525">
+                <a14:hiddenLine xmlns:a14="http://schemas.microsoft.com/office/drawing/2010/main" xmlns="" w="9525">
                   <a:solidFill>
                     <a:srgbClr val="000000"/>
                   </a:solidFill>
@@ -3031,7 +3031,7 @@
             </a:ln>
             <a:extLst>
               <a:ext uri="{91240B29-F687-4f45-9708-019B960494DF}">
-                <a14:hiddenLine xmlns="" xmlns:a14="http://schemas.microsoft.com/office/drawing/2010/main" w="9525">
+                <a14:hiddenLine xmlns:a14="http://schemas.microsoft.com/office/drawing/2010/main" xmlns="" w="9525">
                   <a:solidFill>
                     <a:srgbClr val="000000"/>
                   </a:solidFill>
@@ -3093,7 +3093,7 @@
             </a:ln>
             <a:extLst>
               <a:ext uri="{91240B29-F687-4f45-9708-019B960494DF}">
-                <a14:hiddenLine xmlns="" xmlns:a14="http://schemas.microsoft.com/office/drawing/2010/main" w="9525">
+                <a14:hiddenLine xmlns:a14="http://schemas.microsoft.com/office/drawing/2010/main" xmlns="" w="9525">
                   <a:solidFill>
                     <a:srgbClr val="000000"/>
                   </a:solidFill>
@@ -3183,7 +3183,7 @@
             </a:ln>
             <a:extLst>
               <a:ext uri="{91240B29-F687-4f45-9708-019B960494DF}">
-                <a14:hiddenLine xmlns="" xmlns:a14="http://schemas.microsoft.com/office/drawing/2010/main" w="9525">
+                <a14:hiddenLine xmlns:a14="http://schemas.microsoft.com/office/drawing/2010/main" xmlns="" w="9525">
                   <a:solidFill>
                     <a:srgbClr val="000000"/>
                   </a:solidFill>
@@ -3217,7 +3217,7 @@
             </a:ln>
             <a:extLst>
               <a:ext uri="{91240B29-F687-4f45-9708-019B960494DF}">
-                <a14:hiddenLine xmlns="" xmlns:a14="http://schemas.microsoft.com/office/drawing/2010/main" w="9525">
+                <a14:hiddenLine xmlns:a14="http://schemas.microsoft.com/office/drawing/2010/main" xmlns="" w="9525">
                   <a:solidFill>
                     <a:srgbClr val="000000"/>
                   </a:solidFill>
@@ -3282,7 +3282,7 @@
             </a:ln>
             <a:extLst>
               <a:ext uri="{91240B29-F687-4f45-9708-019B960494DF}">
-                <a14:hiddenLine xmlns="" xmlns:a14="http://schemas.microsoft.com/office/drawing/2010/main" w="9525">
+                <a14:hiddenLine xmlns:a14="http://schemas.microsoft.com/office/drawing/2010/main" xmlns="" w="9525">
                   <a:solidFill>
                     <a:srgbClr val="000000"/>
                   </a:solidFill>
@@ -3372,7 +3372,7 @@
             </a:ln>
             <a:extLst>
               <a:ext uri="{91240B29-F687-4f45-9708-019B960494DF}">
-                <a14:hiddenLine xmlns="" xmlns:a14="http://schemas.microsoft.com/office/drawing/2010/main" w="9525">
+                <a14:hiddenLine xmlns:a14="http://schemas.microsoft.com/office/drawing/2010/main" xmlns="" w="9525">
                   <a:solidFill>
                     <a:srgbClr val="000000"/>
                   </a:solidFill>
@@ -3434,7 +3434,7 @@
             </a:ln>
             <a:extLst>
               <a:ext uri="{91240B29-F687-4f45-9708-019B960494DF}">
-                <a14:hiddenLine xmlns="" xmlns:a14="http://schemas.microsoft.com/office/drawing/2010/main" w="9525">
+                <a14:hiddenLine xmlns:a14="http://schemas.microsoft.com/office/drawing/2010/main" xmlns="" w="9525">
                   <a:solidFill>
                     <a:srgbClr val="000000"/>
                   </a:solidFill>
@@ -3524,7 +3524,7 @@
             </a:ln>
             <a:extLst>
               <a:ext uri="{91240B29-F687-4f45-9708-019B960494DF}">
-                <a14:hiddenLine xmlns="" xmlns:a14="http://schemas.microsoft.com/office/drawing/2010/main" w="9525">
+                <a14:hiddenLine xmlns:a14="http://schemas.microsoft.com/office/drawing/2010/main" xmlns="" w="9525">
                   <a:solidFill>
                     <a:srgbClr val="000000"/>
                   </a:solidFill>
@@ -3614,7 +3614,7 @@
             </a:ln>
             <a:extLst>
               <a:ext uri="{91240B29-F687-4f45-9708-019B960494DF}">
-                <a14:hiddenLine xmlns="" xmlns:a14="http://schemas.microsoft.com/office/drawing/2010/main" w="9525">
+                <a14:hiddenLine xmlns:a14="http://schemas.microsoft.com/office/drawing/2010/main" xmlns="" w="9525">
                   <a:solidFill>
                     <a:srgbClr val="000000"/>
                   </a:solidFill>
@@ -3679,7 +3679,7 @@
             </a:ln>
             <a:extLst>
               <a:ext uri="{91240B29-F687-4f45-9708-019B960494DF}">
-                <a14:hiddenLine xmlns="" xmlns:a14="http://schemas.microsoft.com/office/drawing/2010/main" w="9525">
+                <a14:hiddenLine xmlns:a14="http://schemas.microsoft.com/office/drawing/2010/main" xmlns="" w="9525">
                   <a:solidFill>
                     <a:srgbClr val="000000"/>
                   </a:solidFill>
@@ -3741,7 +3741,7 @@
             </a:ln>
             <a:extLst>
               <a:ext uri="{91240B29-F687-4f45-9708-019B960494DF}">
-                <a14:hiddenLine xmlns="" xmlns:a14="http://schemas.microsoft.com/office/drawing/2010/main" w="9525">
+                <a14:hiddenLine xmlns:a14="http://schemas.microsoft.com/office/drawing/2010/main" xmlns="" w="9525">
                   <a:solidFill>
                     <a:srgbClr val="000000"/>
                   </a:solidFill>
@@ -3831,7 +3831,7 @@
             </a:ln>
             <a:extLst>
               <a:ext uri="{91240B29-F687-4f45-9708-019B960494DF}">
-                <a14:hiddenLine xmlns="" xmlns:a14="http://schemas.microsoft.com/office/drawing/2010/main" w="9525">
+                <a14:hiddenLine xmlns:a14="http://schemas.microsoft.com/office/drawing/2010/main" xmlns="" w="9525">
                   <a:solidFill>
                     <a:srgbClr val="000000"/>
                   </a:solidFill>
@@ -3921,7 +3921,7 @@
             </a:ln>
             <a:extLst>
               <a:ext uri="{91240B29-F687-4f45-9708-019B960494DF}">
-                <a14:hiddenLine xmlns="" xmlns:a14="http://schemas.microsoft.com/office/drawing/2010/main" w="9525">
+                <a14:hiddenLine xmlns:a14="http://schemas.microsoft.com/office/drawing/2010/main" xmlns="" w="9525">
                   <a:solidFill>
                     <a:srgbClr val="000000"/>
                   </a:solidFill>
@@ -3983,7 +3983,7 @@
             </a:ln>
             <a:extLst>
               <a:ext uri="{91240B29-F687-4f45-9708-019B960494DF}">
-                <a14:hiddenLine xmlns="" xmlns:a14="http://schemas.microsoft.com/office/drawing/2010/main" w="9525">
+                <a14:hiddenLine xmlns:a14="http://schemas.microsoft.com/office/drawing/2010/main" xmlns="" w="9525">
                   <a:solidFill>
                     <a:srgbClr val="000000"/>
                   </a:solidFill>
@@ -4103,7 +4103,7 @@
             </a:ln>
             <a:extLst>
               <a:ext uri="{91240B29-F687-4f45-9708-019B960494DF}">
-                <a14:hiddenLine xmlns="" xmlns:a14="http://schemas.microsoft.com/office/drawing/2010/main" w="9525">
+                <a14:hiddenLine xmlns:a14="http://schemas.microsoft.com/office/drawing/2010/main" xmlns="" w="9525">
                   <a:solidFill>
                     <a:srgbClr val="000000"/>
                   </a:solidFill>
@@ -4171,7 +4171,7 @@
             </a:ln>
             <a:extLst>
               <a:ext uri="{91240B29-F687-4f45-9708-019B960494DF}">
-                <a14:hiddenLine xmlns="" xmlns:a14="http://schemas.microsoft.com/office/drawing/2010/main" w="9525">
+                <a14:hiddenLine xmlns:a14="http://schemas.microsoft.com/office/drawing/2010/main" xmlns="" w="9525">
                   <a:solidFill>
                     <a:srgbClr val="000000"/>
                   </a:solidFill>
@@ -4261,7 +4261,7 @@
             </a:ln>
             <a:extLst>
               <a:ext uri="{91240B29-F687-4f45-9708-019B960494DF}">
-                <a14:hiddenLine xmlns="" xmlns:a14="http://schemas.microsoft.com/office/drawing/2010/main" w="9525">
+                <a14:hiddenLine xmlns:a14="http://schemas.microsoft.com/office/drawing/2010/main" xmlns="" w="9525">
                   <a:solidFill>
                     <a:srgbClr val="000000"/>
                   </a:solidFill>
@@ -9090,7 +9090,7 @@
           <a:noFill/>
           <a:extLst>
             <a:ext uri="{909E8E84-426E-40dd-AFC4-6F175D3DCCD1}">
-              <a14:hiddenFill xmlns="" xmlns:a14="http://schemas.microsoft.com/office/drawing/2010/main">
+              <a14:hiddenFill xmlns:a14="http://schemas.microsoft.com/office/drawing/2010/main" xmlns="">
                 <a:solidFill>
                   <a:srgbClr val="FFFFFF"/>
                 </a:solidFill>
@@ -9164,7 +9164,7 @@
               </a:ln>
               <a:extLst>
                 <a:ext uri="{91240B29-F687-4f45-9708-019B960494DF}">
-                  <a14:hiddenLine xmlns="" xmlns:a14="http://schemas.microsoft.com/office/drawing/2010/main" w="9525">
+                  <a14:hiddenLine xmlns:a14="http://schemas.microsoft.com/office/drawing/2010/main" xmlns="" w="9525">
                     <a:solidFill>
                       <a:srgbClr val="000000"/>
                     </a:solidFill>
@@ -9254,7 +9254,7 @@
               </a:ln>
               <a:extLst>
                 <a:ext uri="{91240B29-F687-4f45-9708-019B960494DF}">
-                  <a14:hiddenLine xmlns="" xmlns:a14="http://schemas.microsoft.com/office/drawing/2010/main" w="9525">
+                  <a14:hiddenLine xmlns:a14="http://schemas.microsoft.com/office/drawing/2010/main" xmlns="" w="9525">
                     <a:solidFill>
                       <a:srgbClr val="000000"/>
                     </a:solidFill>
@@ -9344,7 +9344,7 @@
               </a:ln>
               <a:extLst>
                 <a:ext uri="{91240B29-F687-4f45-9708-019B960494DF}">
-                  <a14:hiddenLine xmlns="" xmlns:a14="http://schemas.microsoft.com/office/drawing/2010/main" w="9525">
+                  <a14:hiddenLine xmlns:a14="http://schemas.microsoft.com/office/drawing/2010/main" xmlns="" w="9525">
                     <a:solidFill>
                       <a:srgbClr val="000000"/>
                     </a:solidFill>
@@ -9406,7 +9406,7 @@
               </a:ln>
               <a:extLst>
                 <a:ext uri="{91240B29-F687-4f45-9708-019B960494DF}">
-                  <a14:hiddenLine xmlns="" xmlns:a14="http://schemas.microsoft.com/office/drawing/2010/main" w="9525">
+                  <a14:hiddenLine xmlns:a14="http://schemas.microsoft.com/office/drawing/2010/main" xmlns="" w="9525">
                     <a:solidFill>
                       <a:srgbClr val="000000"/>
                     </a:solidFill>
@@ -9496,7 +9496,7 @@
               </a:ln>
               <a:extLst>
                 <a:ext uri="{91240B29-F687-4f45-9708-019B960494DF}">
-                  <a14:hiddenLine xmlns="" xmlns:a14="http://schemas.microsoft.com/office/drawing/2010/main" w="9525">
+                  <a14:hiddenLine xmlns:a14="http://schemas.microsoft.com/office/drawing/2010/main" xmlns="" w="9525">
                     <a:solidFill>
                       <a:srgbClr val="000000"/>
                     </a:solidFill>
@@ -9558,7 +9558,7 @@
               </a:ln>
               <a:extLst>
                 <a:ext uri="{91240B29-F687-4f45-9708-019B960494DF}">
-                  <a14:hiddenLine xmlns="" xmlns:a14="http://schemas.microsoft.com/office/drawing/2010/main" w="9525">
+                  <a14:hiddenLine xmlns:a14="http://schemas.microsoft.com/office/drawing/2010/main" xmlns="" w="9525">
                     <a:solidFill>
                       <a:srgbClr val="000000"/>
                     </a:solidFill>
@@ -9620,7 +9620,7 @@
               </a:ln>
               <a:extLst>
                 <a:ext uri="{91240B29-F687-4f45-9708-019B960494DF}">
-                  <a14:hiddenLine xmlns="" xmlns:a14="http://schemas.microsoft.com/office/drawing/2010/main" w="9525">
+                  <a14:hiddenLine xmlns:a14="http://schemas.microsoft.com/office/drawing/2010/main" xmlns="" w="9525">
                     <a:solidFill>
                       <a:srgbClr val="000000"/>
                     </a:solidFill>
@@ -9710,7 +9710,7 @@
               </a:ln>
               <a:extLst>
                 <a:ext uri="{91240B29-F687-4f45-9708-019B960494DF}">
-                  <a14:hiddenLine xmlns="" xmlns:a14="http://schemas.microsoft.com/office/drawing/2010/main" w="9525">
+                  <a14:hiddenLine xmlns:a14="http://schemas.microsoft.com/office/drawing/2010/main" xmlns="" w="9525">
                     <a:solidFill>
                       <a:srgbClr val="000000"/>
                     </a:solidFill>
@@ -9800,7 +9800,7 @@
               </a:ln>
               <a:extLst>
                 <a:ext uri="{91240B29-F687-4f45-9708-019B960494DF}">
-                  <a14:hiddenLine xmlns="" xmlns:a14="http://schemas.microsoft.com/office/drawing/2010/main" w="9525">
+                  <a14:hiddenLine xmlns:a14="http://schemas.microsoft.com/office/drawing/2010/main" xmlns="" w="9525">
                     <a:solidFill>
                       <a:srgbClr val="000000"/>
                     </a:solidFill>
@@ -9862,7 +9862,7 @@
               </a:ln>
               <a:extLst>
                 <a:ext uri="{91240B29-F687-4f45-9708-019B960494DF}">
-                  <a14:hiddenLine xmlns="" xmlns:a14="http://schemas.microsoft.com/office/drawing/2010/main" w="9525">
+                  <a14:hiddenLine xmlns:a14="http://schemas.microsoft.com/office/drawing/2010/main" xmlns="" w="9525">
                     <a:solidFill>
                       <a:srgbClr val="000000"/>
                     </a:solidFill>
@@ -9972,7 +9972,7 @@
               </a:ln>
               <a:extLst>
                 <a:ext uri="{91240B29-F687-4f45-9708-019B960494DF}">
-                  <a14:hiddenLine xmlns="" xmlns:a14="http://schemas.microsoft.com/office/drawing/2010/main" w="9525">
+                  <a14:hiddenLine xmlns:a14="http://schemas.microsoft.com/office/drawing/2010/main" xmlns="" w="9525">
                     <a:solidFill>
                       <a:srgbClr val="000000"/>
                     </a:solidFill>
@@ -10056,7 +10056,7 @@
               </a:ln>
               <a:extLst>
                 <a:ext uri="{91240B29-F687-4f45-9708-019B960494DF}">
-                  <a14:hiddenLine xmlns="" xmlns:a14="http://schemas.microsoft.com/office/drawing/2010/main" w="9525">
+                  <a14:hiddenLine xmlns:a14="http://schemas.microsoft.com/office/drawing/2010/main" xmlns="" w="9525">
                     <a:solidFill>
                       <a:srgbClr val="000000"/>
                     </a:solidFill>
@@ -10118,7 +10118,7 @@
               </a:ln>
               <a:extLst>
                 <a:ext uri="{91240B29-F687-4f45-9708-019B960494DF}">
-                  <a14:hiddenLine xmlns="" xmlns:a14="http://schemas.microsoft.com/office/drawing/2010/main" w="9525">
+                  <a14:hiddenLine xmlns:a14="http://schemas.microsoft.com/office/drawing/2010/main" xmlns="" w="9525">
                     <a:solidFill>
                       <a:srgbClr val="000000"/>
                     </a:solidFill>
@@ -10180,7 +10180,7 @@
               </a:ln>
               <a:extLst>
                 <a:ext uri="{91240B29-F687-4f45-9708-019B960494DF}">
-                  <a14:hiddenLine xmlns="" xmlns:a14="http://schemas.microsoft.com/office/drawing/2010/main" w="9525">
+                  <a14:hiddenLine xmlns:a14="http://schemas.microsoft.com/office/drawing/2010/main" xmlns="" w="9525">
                     <a:solidFill>
                       <a:srgbClr val="000000"/>
                     </a:solidFill>
@@ -10270,7 +10270,7 @@
               </a:ln>
               <a:extLst>
                 <a:ext uri="{91240B29-F687-4f45-9708-019B960494DF}">
-                  <a14:hiddenLine xmlns="" xmlns:a14="http://schemas.microsoft.com/office/drawing/2010/main" w="9525">
+                  <a14:hiddenLine xmlns:a14="http://schemas.microsoft.com/office/drawing/2010/main" xmlns="" w="9525">
                     <a:solidFill>
                       <a:srgbClr val="000000"/>
                     </a:solidFill>
@@ -10304,7 +10304,7 @@
               </a:ln>
               <a:extLst>
                 <a:ext uri="{91240B29-F687-4f45-9708-019B960494DF}">
-                  <a14:hiddenLine xmlns="" xmlns:a14="http://schemas.microsoft.com/office/drawing/2010/main" w="9525">
+                  <a14:hiddenLine xmlns:a14="http://schemas.microsoft.com/office/drawing/2010/main" xmlns="" w="9525">
                     <a:solidFill>
                       <a:srgbClr val="000000"/>
                     </a:solidFill>
@@ -10369,7 +10369,7 @@
               </a:ln>
               <a:extLst>
                 <a:ext uri="{91240B29-F687-4f45-9708-019B960494DF}">
-                  <a14:hiddenLine xmlns="" xmlns:a14="http://schemas.microsoft.com/office/drawing/2010/main" w="9525">
+                  <a14:hiddenLine xmlns:a14="http://schemas.microsoft.com/office/drawing/2010/main" xmlns="" w="9525">
                     <a:solidFill>
                       <a:srgbClr val="000000"/>
                     </a:solidFill>
@@ -10459,7 +10459,7 @@
               </a:ln>
               <a:extLst>
                 <a:ext uri="{91240B29-F687-4f45-9708-019B960494DF}">
-                  <a14:hiddenLine xmlns="" xmlns:a14="http://schemas.microsoft.com/office/drawing/2010/main" w="9525">
+                  <a14:hiddenLine xmlns:a14="http://schemas.microsoft.com/office/drawing/2010/main" xmlns="" w="9525">
                     <a:solidFill>
                       <a:srgbClr val="000000"/>
                     </a:solidFill>
@@ -10521,7 +10521,7 @@
               </a:ln>
               <a:extLst>
                 <a:ext uri="{91240B29-F687-4f45-9708-019B960494DF}">
-                  <a14:hiddenLine xmlns="" xmlns:a14="http://schemas.microsoft.com/office/drawing/2010/main" w="9525">
+                  <a14:hiddenLine xmlns:a14="http://schemas.microsoft.com/office/drawing/2010/main" xmlns="" w="9525">
                     <a:solidFill>
                       <a:srgbClr val="000000"/>
                     </a:solidFill>
@@ -10611,7 +10611,7 @@
               </a:ln>
               <a:extLst>
                 <a:ext uri="{91240B29-F687-4f45-9708-019B960494DF}">
-                  <a14:hiddenLine xmlns="" xmlns:a14="http://schemas.microsoft.com/office/drawing/2010/main" w="9525">
+                  <a14:hiddenLine xmlns:a14="http://schemas.microsoft.com/office/drawing/2010/main" xmlns="" w="9525">
                     <a:solidFill>
                       <a:srgbClr val="000000"/>
                     </a:solidFill>
@@ -10676,7 +10676,7 @@
               </a:ln>
               <a:extLst>
                 <a:ext uri="{91240B29-F687-4f45-9708-019B960494DF}">
-                  <a14:hiddenLine xmlns="" xmlns:a14="http://schemas.microsoft.com/office/drawing/2010/main" w="9525">
+                  <a14:hiddenLine xmlns:a14="http://schemas.microsoft.com/office/drawing/2010/main" xmlns="" w="9525">
                     <a:solidFill>
                       <a:srgbClr val="000000"/>
                     </a:solidFill>
@@ -10738,7 +10738,7 @@
               </a:ln>
               <a:extLst>
                 <a:ext uri="{91240B29-F687-4f45-9708-019B960494DF}">
-                  <a14:hiddenLine xmlns="" xmlns:a14="http://schemas.microsoft.com/office/drawing/2010/main" w="9525">
+                  <a14:hiddenLine xmlns:a14="http://schemas.microsoft.com/office/drawing/2010/main" xmlns="" w="9525">
                     <a:solidFill>
                       <a:srgbClr val="000000"/>
                     </a:solidFill>
@@ -10828,7 +10828,7 @@
               </a:ln>
               <a:extLst>
                 <a:ext uri="{91240B29-F687-4f45-9708-019B960494DF}">
-                  <a14:hiddenLine xmlns="" xmlns:a14="http://schemas.microsoft.com/office/drawing/2010/main" w="9525">
+                  <a14:hiddenLine xmlns:a14="http://schemas.microsoft.com/office/drawing/2010/main" xmlns="" w="9525">
                     <a:solidFill>
                       <a:srgbClr val="000000"/>
                     </a:solidFill>
@@ -10918,7 +10918,7 @@
               </a:ln>
               <a:extLst>
                 <a:ext uri="{91240B29-F687-4f45-9708-019B960494DF}">
-                  <a14:hiddenLine xmlns="" xmlns:a14="http://schemas.microsoft.com/office/drawing/2010/main" w="9525">
+                  <a14:hiddenLine xmlns:a14="http://schemas.microsoft.com/office/drawing/2010/main" xmlns="" w="9525">
                     <a:solidFill>
                       <a:srgbClr val="000000"/>
                     </a:solidFill>
@@ -10983,7 +10983,7 @@
               </a:ln>
               <a:extLst>
                 <a:ext uri="{91240B29-F687-4f45-9708-019B960494DF}">
-                  <a14:hiddenLine xmlns="" xmlns:a14="http://schemas.microsoft.com/office/drawing/2010/main" w="9525">
+                  <a14:hiddenLine xmlns:a14="http://schemas.microsoft.com/office/drawing/2010/main" xmlns="" w="9525">
                     <a:solidFill>
                       <a:srgbClr val="000000"/>
                     </a:solidFill>
@@ -11103,7 +11103,7 @@
               </a:ln>
               <a:extLst>
                 <a:ext uri="{91240B29-F687-4f45-9708-019B960494DF}">
-                  <a14:hiddenLine xmlns="" xmlns:a14="http://schemas.microsoft.com/office/drawing/2010/main" w="9525">
+                  <a14:hiddenLine xmlns:a14="http://schemas.microsoft.com/office/drawing/2010/main" xmlns="" w="9525">
                     <a:solidFill>
                       <a:srgbClr val="000000"/>
                     </a:solidFill>
@@ -11184,7 +11184,7 @@
               </a:ln>
               <a:extLst>
                 <a:ext uri="{91240B29-F687-4f45-9708-019B960494DF}">
-                  <a14:hiddenLine xmlns="" xmlns:a14="http://schemas.microsoft.com/office/drawing/2010/main" w="9525">
+                  <a14:hiddenLine xmlns:a14="http://schemas.microsoft.com/office/drawing/2010/main" xmlns="" w="9525">
                     <a:solidFill>
                       <a:srgbClr val="000000"/>
                     </a:solidFill>
@@ -11299,7 +11299,7 @@
               </a:ln>
               <a:extLst>
                 <a:ext uri="{91240B29-F687-4f45-9708-019B960494DF}">
-                  <a14:hiddenLine xmlns="" xmlns:a14="http://schemas.microsoft.com/office/drawing/2010/main" w="9525">
+                  <a14:hiddenLine xmlns:a14="http://schemas.microsoft.com/office/drawing/2010/main" xmlns="" w="9525">
                     <a:solidFill>
                       <a:srgbClr val="000000"/>
                     </a:solidFill>
@@ -11389,7 +11389,7 @@
               </a:ln>
               <a:extLst>
                 <a:ext uri="{91240B29-F687-4f45-9708-019B960494DF}">
-                  <a14:hiddenLine xmlns="" xmlns:a14="http://schemas.microsoft.com/office/drawing/2010/main" w="9525">
+                  <a14:hiddenLine xmlns:a14="http://schemas.microsoft.com/office/drawing/2010/main" xmlns="" w="9525">
                     <a:solidFill>
                       <a:srgbClr val="000000"/>
                     </a:solidFill>
@@ -11454,7 +11454,7 @@
               </a:ln>
               <a:extLst>
                 <a:ext uri="{91240B29-F687-4f45-9708-019B960494DF}">
-                  <a14:hiddenLine xmlns="" xmlns:a14="http://schemas.microsoft.com/office/drawing/2010/main" w="9525">
+                  <a14:hiddenLine xmlns:a14="http://schemas.microsoft.com/office/drawing/2010/main" xmlns="" w="9525">
                     <a:solidFill>
                       <a:srgbClr val="000000"/>
                     </a:solidFill>
@@ -11544,7 +11544,7 @@
               </a:ln>
               <a:extLst>
                 <a:ext uri="{91240B29-F687-4f45-9708-019B960494DF}">
-                  <a14:hiddenLine xmlns="" xmlns:a14="http://schemas.microsoft.com/office/drawing/2010/main" w="9525">
+                  <a14:hiddenLine xmlns:a14="http://schemas.microsoft.com/office/drawing/2010/main" xmlns="" w="9525">
                     <a:solidFill>
                       <a:srgbClr val="000000"/>
                     </a:solidFill>
@@ -11612,7 +11612,7 @@
               </a:ln>
               <a:extLst>
                 <a:ext uri="{91240B29-F687-4f45-9708-019B960494DF}">
-                  <a14:hiddenLine xmlns="" xmlns:a14="http://schemas.microsoft.com/office/drawing/2010/main" w="9525">
+                  <a14:hiddenLine xmlns:a14="http://schemas.microsoft.com/office/drawing/2010/main" xmlns="" w="9525">
                     <a:solidFill>
                       <a:srgbClr val="000000"/>
                     </a:solidFill>
@@ -11702,7 +11702,7 @@
               </a:ln>
               <a:extLst>
                 <a:ext uri="{91240B29-F687-4f45-9708-019B960494DF}">
-                  <a14:hiddenLine xmlns="" xmlns:a14="http://schemas.microsoft.com/office/drawing/2010/main" w="9525">
+                  <a14:hiddenLine xmlns:a14="http://schemas.microsoft.com/office/drawing/2010/main" xmlns="" w="9525">
                     <a:solidFill>
                       <a:srgbClr val="000000"/>
                     </a:solidFill>
@@ -11770,7 +11770,7 @@
               </a:ln>
               <a:extLst>
                 <a:ext uri="{91240B29-F687-4f45-9708-019B960494DF}">
-                  <a14:hiddenLine xmlns="" xmlns:a14="http://schemas.microsoft.com/office/drawing/2010/main" w="9525">
+                  <a14:hiddenLine xmlns:a14="http://schemas.microsoft.com/office/drawing/2010/main" xmlns="" w="9525">
                     <a:solidFill>
                       <a:srgbClr val="000000"/>
                     </a:solidFill>
@@ -11860,7 +11860,7 @@
               </a:ln>
               <a:extLst>
                 <a:ext uri="{91240B29-F687-4f45-9708-019B960494DF}">
-                  <a14:hiddenLine xmlns="" xmlns:a14="http://schemas.microsoft.com/office/drawing/2010/main" w="9525">
+                  <a14:hiddenLine xmlns:a14="http://schemas.microsoft.com/office/drawing/2010/main" xmlns="" w="9525">
                     <a:solidFill>
                       <a:srgbClr val="000000"/>
                     </a:solidFill>
@@ -11894,7 +11894,7 @@
               </a:ln>
               <a:extLst>
                 <a:ext uri="{91240B29-F687-4f45-9708-019B960494DF}">
-                  <a14:hiddenLine xmlns="" xmlns:a14="http://schemas.microsoft.com/office/drawing/2010/main" w="9525">
+                  <a14:hiddenLine xmlns:a14="http://schemas.microsoft.com/office/drawing/2010/main" xmlns="" w="9525">
                     <a:solidFill>
                       <a:srgbClr val="000000"/>
                     </a:solidFill>
@@ -13272,7 +13272,7 @@
               <a:rPr lang="it-IT" sz="2400" b="0" i="0" dirty="0">
                 <a:effectLst/>
               </a:rPr>
-              <a:t>Per poter accedere al materiale di pratica e teoria bisogna cliccare Topic e successivamente seguire i seguenti passaggi :</a:t>
+              <a:t>Per poter accedere al materiale di pratica e teoria bisogna cliccare Topic e successivamente installare il PowerPoint o accedere al bot tramite pulsante:</a:t>
             </a:r>
           </a:p>
           <a:p>
@@ -13395,6 +13395,36 @@
               <a:srgbClr val="333333"/>
             </a:contourClr>
           </a:sp3d>
+        </p:spPr>
+      </p:pic>
+      <p:pic>
+        <p:nvPicPr>
+          <p:cNvPr id="8" name="Immagine 7">
+            <a:extLst>
+              <a:ext uri="{FF2B5EF4-FFF2-40B4-BE49-F238E27FC236}">
+                <a16:creationId xmlns:a16="http://schemas.microsoft.com/office/drawing/2014/main" id="{B883CA82-E7AE-8C77-4018-9E6668D280BF}"/>
+              </a:ext>
+            </a:extLst>
+          </p:cNvPr>
+          <p:cNvPicPr>
+            <a:picLocks noChangeAspect="1"/>
+          </p:cNvPicPr>
+          <p:nvPr/>
+        </p:nvPicPr>
+        <p:blipFill>
+          <a:blip r:embed="rId3"/>
+          <a:stretch>
+            <a:fillRect/>
+          </a:stretch>
+        </p:blipFill>
+        <p:spPr>
+          <a:xfrm>
+            <a:off x="5095783" y="1543848"/>
+            <a:ext cx="6729274" cy="3446242"/>
+          </a:xfrm>
+          <a:prstGeom prst="rect">
+            <a:avLst/>
+          </a:prstGeom>
         </p:spPr>
       </p:pic>
     </p:spTree>
